--- a/Testfile/테스트/추가자료/자료생성.pptx
+++ b/Testfile/테스트/추가자료/자료생성.pptx
@@ -105,6 +105,11 @@
       </a:defRPr>
     </a:lvl9pPr>
   </p:defaultTextStyle>
+  <p:extLst>
+    <p:ext uri="{EFAFB233-063F-42B5-8137-9DF3F51BA10A}">
+      <p15:sldGuideLst xmlns:p15="http://schemas.microsoft.com/office/powerpoint/2012/main"/>
+    </p:ext>
+  </p:extLst>
 </p:presentation>
 </file>
 
@@ -257,7 +262,7 @@
           <a:p>
             <a:fld id="{92DDC887-6686-8848-B298-333D8D48C6CD}" type="datetimeFigureOut">
               <a:rPr kumimoji="1" lang="ko-Kore-KR" altLang="en-US" smtClean="0"/>
-              <a:t>2022. 2. 2.</a:t>
+              <a:t>2022. 2. 5.</a:t>
             </a:fld>
             <a:endParaRPr kumimoji="1" lang="ko-Kore-KR" altLang="en-US"/>
           </a:p>
@@ -457,7 +462,7 @@
           <a:p>
             <a:fld id="{92DDC887-6686-8848-B298-333D8D48C6CD}" type="datetimeFigureOut">
               <a:rPr kumimoji="1" lang="ko-Kore-KR" altLang="en-US" smtClean="0"/>
-              <a:t>2022. 2. 2.</a:t>
+              <a:t>2022. 2. 5.</a:t>
             </a:fld>
             <a:endParaRPr kumimoji="1" lang="ko-Kore-KR" altLang="en-US"/>
           </a:p>
@@ -667,7 +672,7 @@
           <a:p>
             <a:fld id="{92DDC887-6686-8848-B298-333D8D48C6CD}" type="datetimeFigureOut">
               <a:rPr kumimoji="1" lang="ko-Kore-KR" altLang="en-US" smtClean="0"/>
-              <a:t>2022. 2. 2.</a:t>
+              <a:t>2022. 2. 5.</a:t>
             </a:fld>
             <a:endParaRPr kumimoji="1" lang="ko-Kore-KR" altLang="en-US"/>
           </a:p>
@@ -867,7 +872,7 @@
           <a:p>
             <a:fld id="{92DDC887-6686-8848-B298-333D8D48C6CD}" type="datetimeFigureOut">
               <a:rPr kumimoji="1" lang="ko-Kore-KR" altLang="en-US" smtClean="0"/>
-              <a:t>2022. 2. 2.</a:t>
+              <a:t>2022. 2. 5.</a:t>
             </a:fld>
             <a:endParaRPr kumimoji="1" lang="ko-Kore-KR" altLang="en-US"/>
           </a:p>
@@ -1143,7 +1148,7 @@
           <a:p>
             <a:fld id="{92DDC887-6686-8848-B298-333D8D48C6CD}" type="datetimeFigureOut">
               <a:rPr kumimoji="1" lang="ko-Kore-KR" altLang="en-US" smtClean="0"/>
-              <a:t>2022. 2. 2.</a:t>
+              <a:t>2022. 2. 5.</a:t>
             </a:fld>
             <a:endParaRPr kumimoji="1" lang="ko-Kore-KR" altLang="en-US"/>
           </a:p>
@@ -1411,7 +1416,7 @@
           <a:p>
             <a:fld id="{92DDC887-6686-8848-B298-333D8D48C6CD}" type="datetimeFigureOut">
               <a:rPr kumimoji="1" lang="ko-Kore-KR" altLang="en-US" smtClean="0"/>
-              <a:t>2022. 2. 2.</a:t>
+              <a:t>2022. 2. 5.</a:t>
             </a:fld>
             <a:endParaRPr kumimoji="1" lang="ko-Kore-KR" altLang="en-US"/>
           </a:p>
@@ -1826,7 +1831,7 @@
           <a:p>
             <a:fld id="{92DDC887-6686-8848-B298-333D8D48C6CD}" type="datetimeFigureOut">
               <a:rPr kumimoji="1" lang="ko-Kore-KR" altLang="en-US" smtClean="0"/>
-              <a:t>2022. 2. 2.</a:t>
+              <a:t>2022. 2. 5.</a:t>
             </a:fld>
             <a:endParaRPr kumimoji="1" lang="ko-Kore-KR" altLang="en-US"/>
           </a:p>
@@ -1968,7 +1973,7 @@
           <a:p>
             <a:fld id="{92DDC887-6686-8848-B298-333D8D48C6CD}" type="datetimeFigureOut">
               <a:rPr kumimoji="1" lang="ko-Kore-KR" altLang="en-US" smtClean="0"/>
-              <a:t>2022. 2. 2.</a:t>
+              <a:t>2022. 2. 5.</a:t>
             </a:fld>
             <a:endParaRPr kumimoji="1" lang="ko-Kore-KR" altLang="en-US"/>
           </a:p>
@@ -2081,7 +2086,7 @@
           <a:p>
             <a:fld id="{92DDC887-6686-8848-B298-333D8D48C6CD}" type="datetimeFigureOut">
               <a:rPr kumimoji="1" lang="ko-Kore-KR" altLang="en-US" smtClean="0"/>
-              <a:t>2022. 2. 2.</a:t>
+              <a:t>2022. 2. 5.</a:t>
             </a:fld>
             <a:endParaRPr kumimoji="1" lang="ko-Kore-KR" altLang="en-US"/>
           </a:p>
@@ -2394,7 +2399,7 @@
           <a:p>
             <a:fld id="{92DDC887-6686-8848-B298-333D8D48C6CD}" type="datetimeFigureOut">
               <a:rPr kumimoji="1" lang="ko-Kore-KR" altLang="en-US" smtClean="0"/>
-              <a:t>2022. 2. 2.</a:t>
+              <a:t>2022. 2. 5.</a:t>
             </a:fld>
             <a:endParaRPr kumimoji="1" lang="ko-Kore-KR" altLang="en-US"/>
           </a:p>
@@ -2683,7 +2688,7 @@
           <a:p>
             <a:fld id="{92DDC887-6686-8848-B298-333D8D48C6CD}" type="datetimeFigureOut">
               <a:rPr kumimoji="1" lang="ko-Kore-KR" altLang="en-US" smtClean="0"/>
-              <a:t>2022. 2. 2.</a:t>
+              <a:t>2022. 2. 5.</a:t>
             </a:fld>
             <a:endParaRPr kumimoji="1" lang="ko-Kore-KR" altLang="en-US"/>
           </a:p>
@@ -2926,7 +2931,7 @@
           <a:p>
             <a:fld id="{92DDC887-6686-8848-B298-333D8D48C6CD}" type="datetimeFigureOut">
               <a:rPr kumimoji="1" lang="ko-Kore-KR" altLang="en-US" smtClean="0"/>
-              <a:t>2022. 2. 2.</a:t>
+              <a:t>2022. 2. 5.</a:t>
             </a:fld>
             <a:endParaRPr kumimoji="1" lang="ko-Kore-KR" altLang="en-US"/>
           </a:p>
@@ -3648,7 +3653,7 @@
         </p:nvSpPr>
         <p:spPr>
           <a:xfrm>
-            <a:off x="5646000" y="566670"/>
+            <a:off x="4059571" y="557185"/>
             <a:ext cx="2880000" cy="2880000"/>
           </a:xfrm>
           <a:prstGeom prst="ellipse">
@@ -3708,7 +3713,7 @@
         </p:nvSpPr>
         <p:spPr>
           <a:xfrm>
-            <a:off x="6120445" y="798895"/>
+            <a:off x="4534016" y="789410"/>
             <a:ext cx="1935019" cy="338554"/>
           </a:xfrm>
           <a:prstGeom prst="rect">
@@ -3749,7 +3754,7 @@
         </p:nvSpPr>
         <p:spPr>
           <a:xfrm>
-            <a:off x="6186000" y="1527357"/>
+            <a:off x="4599571" y="1517872"/>
             <a:ext cx="1800000" cy="1800000"/>
           </a:xfrm>
           <a:prstGeom prst="ellipse">
@@ -3809,7 +3814,7 @@
         </p:nvSpPr>
         <p:spPr>
           <a:xfrm>
-            <a:off x="6118491" y="1859498"/>
+            <a:off x="4532062" y="1850013"/>
             <a:ext cx="1935019" cy="338554"/>
           </a:xfrm>
           <a:prstGeom prst="rect">
@@ -3850,7 +3855,7 @@
         </p:nvSpPr>
         <p:spPr>
           <a:xfrm>
-            <a:off x="6662863" y="2305695"/>
+            <a:off x="5076434" y="2296210"/>
             <a:ext cx="846274" cy="338554"/>
           </a:xfrm>
           <a:prstGeom prst="rect">
@@ -3895,7 +3900,7 @@
         </p:nvSpPr>
         <p:spPr>
           <a:xfrm>
-            <a:off x="6662863" y="1163126"/>
+            <a:off x="5076434" y="1153641"/>
             <a:ext cx="846274" cy="338554"/>
           </a:xfrm>
           <a:prstGeom prst="rect">
@@ -3977,6 +3982,1432 @@
               <a:t>참조값</a:t>
             </a:r>
             <a:endParaRPr kumimoji="1" lang="ko-Kore-KR" altLang="en-US" dirty="0"/>
+          </a:p>
+        </p:txBody>
+      </p:sp>
+      <p:sp>
+        <p:nvSpPr>
+          <p:cNvPr id="16" name="타원 15">
+            <a:extLst>
+              <a:ext uri="{FF2B5EF4-FFF2-40B4-BE49-F238E27FC236}">
+                <a16:creationId xmlns:a16="http://schemas.microsoft.com/office/drawing/2014/main" id="{2809B9A5-2B91-6B45-A3A7-FBBF813E1C0A}"/>
+              </a:ext>
+            </a:extLst>
+          </p:cNvPr>
+          <p:cNvSpPr/>
+          <p:nvPr/>
+        </p:nvSpPr>
+        <p:spPr>
+          <a:xfrm>
+            <a:off x="2008410" y="3722330"/>
+            <a:ext cx="2880000" cy="2880000"/>
+          </a:xfrm>
+          <a:prstGeom prst="ellipse">
+            <a:avLst/>
+          </a:prstGeom>
+          <a:solidFill>
+            <a:schemeClr val="accent1">
+              <a:lumMod val="40000"/>
+              <a:lumOff val="60000"/>
+            </a:schemeClr>
+          </a:solidFill>
+          <a:ln>
+            <a:solidFill>
+              <a:schemeClr val="accent1">
+                <a:lumMod val="60000"/>
+                <a:lumOff val="40000"/>
+              </a:schemeClr>
+            </a:solidFill>
+          </a:ln>
+        </p:spPr>
+        <p:style>
+          <a:lnRef idx="2">
+            <a:schemeClr val="accent1">
+              <a:shade val="50000"/>
+            </a:schemeClr>
+          </a:lnRef>
+          <a:fillRef idx="1">
+            <a:schemeClr val="accent1"/>
+          </a:fillRef>
+          <a:effectRef idx="0">
+            <a:schemeClr val="accent1"/>
+          </a:effectRef>
+          <a:fontRef idx="minor">
+            <a:schemeClr val="lt1"/>
+          </a:fontRef>
+        </p:style>
+        <p:txBody>
+          <a:bodyPr rtlCol="0" anchor="ctr"/>
+          <a:lstStyle/>
+          <a:p>
+            <a:pPr algn="ctr"/>
+            <a:endParaRPr kumimoji="1" lang="ko-Kore-KR" altLang="en-US" dirty="0"/>
+          </a:p>
+        </p:txBody>
+      </p:sp>
+      <p:sp>
+        <p:nvSpPr>
+          <p:cNvPr id="17" name="TextBox 16">
+            <a:extLst>
+              <a:ext uri="{FF2B5EF4-FFF2-40B4-BE49-F238E27FC236}">
+                <a16:creationId xmlns:a16="http://schemas.microsoft.com/office/drawing/2014/main" id="{E97D9895-5FA4-ED40-B057-BCBF3364B9CC}"/>
+              </a:ext>
+            </a:extLst>
+          </p:cNvPr>
+          <p:cNvSpPr txBox="1"/>
+          <p:nvPr/>
+        </p:nvSpPr>
+        <p:spPr>
+          <a:xfrm>
+            <a:off x="2641716" y="3933093"/>
+            <a:ext cx="1613387" cy="523220"/>
+          </a:xfrm>
+          <a:prstGeom prst="rect">
+            <a:avLst/>
+          </a:prstGeom>
+          <a:noFill/>
+        </p:spPr>
+        <p:txBody>
+          <a:bodyPr wrap="square" rtlCol="0">
+            <a:spAutoFit/>
+          </a:bodyPr>
+          <a:lstStyle/>
+          <a:p>
+            <a:pPr algn="ctr"/>
+            <a:r>
+              <a:rPr kumimoji="1" lang="en-US" altLang="ko-Kore-KR" sz="2800" dirty="0">
+                <a:solidFill>
+                  <a:schemeClr val="bg1"/>
+                </a:solidFill>
+              </a:rPr>
+              <a:t>Material</a:t>
+            </a:r>
+            <a:endParaRPr kumimoji="1" lang="ko-Kore-KR" altLang="en-US" sz="2800" dirty="0">
+              <a:solidFill>
+                <a:schemeClr val="bg1"/>
+              </a:solidFill>
+            </a:endParaRPr>
+          </a:p>
+        </p:txBody>
+      </p:sp>
+      <p:sp>
+        <p:nvSpPr>
+          <p:cNvPr id="18" name="타원 17">
+            <a:extLst>
+              <a:ext uri="{FF2B5EF4-FFF2-40B4-BE49-F238E27FC236}">
+                <a16:creationId xmlns:a16="http://schemas.microsoft.com/office/drawing/2014/main" id="{4430751D-E6A4-354B-9DCD-746B6A03F30D}"/>
+              </a:ext>
+            </a:extLst>
+          </p:cNvPr>
+          <p:cNvSpPr/>
+          <p:nvPr/>
+        </p:nvSpPr>
+        <p:spPr>
+          <a:xfrm>
+            <a:off x="2548409" y="4484093"/>
+            <a:ext cx="1800000" cy="1800000"/>
+          </a:xfrm>
+          <a:prstGeom prst="ellipse">
+            <a:avLst/>
+          </a:prstGeom>
+          <a:solidFill>
+            <a:schemeClr val="accent6">
+              <a:lumMod val="40000"/>
+              <a:lumOff val="60000"/>
+            </a:schemeClr>
+          </a:solidFill>
+          <a:ln>
+            <a:solidFill>
+              <a:schemeClr val="accent6">
+                <a:lumMod val="40000"/>
+                <a:lumOff val="60000"/>
+              </a:schemeClr>
+            </a:solidFill>
+          </a:ln>
+        </p:spPr>
+        <p:style>
+          <a:lnRef idx="2">
+            <a:schemeClr val="accent1">
+              <a:shade val="50000"/>
+            </a:schemeClr>
+          </a:lnRef>
+          <a:fillRef idx="1">
+            <a:schemeClr val="accent1"/>
+          </a:fillRef>
+          <a:effectRef idx="0">
+            <a:schemeClr val="accent1"/>
+          </a:effectRef>
+          <a:fontRef idx="minor">
+            <a:schemeClr val="lt1"/>
+          </a:fontRef>
+        </p:style>
+        <p:txBody>
+          <a:bodyPr rtlCol="0" anchor="ctr"/>
+          <a:lstStyle/>
+          <a:p>
+            <a:pPr algn="ctr"/>
+            <a:endParaRPr kumimoji="1" lang="ko-Kore-KR" altLang="en-US"/>
+          </a:p>
+        </p:txBody>
+      </p:sp>
+      <p:sp>
+        <p:nvSpPr>
+          <p:cNvPr id="19" name="TextBox 18">
+            <a:extLst>
+              <a:ext uri="{FF2B5EF4-FFF2-40B4-BE49-F238E27FC236}">
+                <a16:creationId xmlns:a16="http://schemas.microsoft.com/office/drawing/2014/main" id="{209735F5-C5F5-3D4B-8C3E-3880E113AE5B}"/>
+              </a:ext>
+            </a:extLst>
+          </p:cNvPr>
+          <p:cNvSpPr txBox="1"/>
+          <p:nvPr/>
+        </p:nvSpPr>
+        <p:spPr>
+          <a:xfrm>
+            <a:off x="2641716" y="4930221"/>
+            <a:ext cx="1613387" cy="830997"/>
+          </a:xfrm>
+          <a:prstGeom prst="rect">
+            <a:avLst/>
+          </a:prstGeom>
+          <a:noFill/>
+        </p:spPr>
+        <p:txBody>
+          <a:bodyPr wrap="square" rtlCol="0">
+            <a:spAutoFit/>
+          </a:bodyPr>
+          <a:lstStyle/>
+          <a:p>
+            <a:pPr algn="ctr"/>
+            <a:r>
+              <a:rPr kumimoji="1" lang="ko-KR" altLang="en-US" sz="2400" dirty="0">
+                <a:solidFill>
+                  <a:schemeClr val="bg1"/>
+                </a:solidFill>
+              </a:rPr>
+              <a:t>셰이더</a:t>
+            </a:r>
+            <a:endParaRPr kumimoji="1" lang="en-US" altLang="ko-KR" sz="2400" dirty="0">
+              <a:solidFill>
+                <a:schemeClr val="bg1"/>
+              </a:solidFill>
+            </a:endParaRPr>
+          </a:p>
+          <a:p>
+            <a:pPr algn="ctr"/>
+            <a:r>
+              <a:rPr kumimoji="1" lang="ko-KR" altLang="en-US" sz="2400" dirty="0">
+                <a:solidFill>
+                  <a:schemeClr val="bg1"/>
+                </a:solidFill>
+              </a:rPr>
+              <a:t>텍스처</a:t>
+            </a:r>
+            <a:endParaRPr kumimoji="1" lang="ko-Kore-KR" altLang="en-US" sz="2400" dirty="0">
+              <a:solidFill>
+                <a:schemeClr val="bg1"/>
+              </a:solidFill>
+            </a:endParaRPr>
+          </a:p>
+        </p:txBody>
+      </p:sp>
+      <p:sp>
+        <p:nvSpPr>
+          <p:cNvPr id="40" name="직사각형 39">
+            <a:extLst>
+              <a:ext uri="{FF2B5EF4-FFF2-40B4-BE49-F238E27FC236}">
+                <a16:creationId xmlns:a16="http://schemas.microsoft.com/office/drawing/2014/main" id="{2002FFE9-B3AB-6E46-9E7B-DFADB092F496}"/>
+              </a:ext>
+            </a:extLst>
+          </p:cNvPr>
+          <p:cNvSpPr/>
+          <p:nvPr/>
+        </p:nvSpPr>
+        <p:spPr>
+          <a:xfrm>
+            <a:off x="5755244" y="4625500"/>
+            <a:ext cx="360000" cy="360000"/>
+          </a:xfrm>
+          <a:prstGeom prst="rect">
+            <a:avLst/>
+          </a:prstGeom>
+          <a:solidFill>
+            <a:schemeClr val="accent4">
+              <a:lumMod val="40000"/>
+              <a:lumOff val="60000"/>
+            </a:schemeClr>
+          </a:solidFill>
+          <a:ln w="38100">
+            <a:solidFill>
+              <a:schemeClr val="accent5">
+                <a:lumMod val="50000"/>
+              </a:schemeClr>
+            </a:solidFill>
+          </a:ln>
+        </p:spPr>
+        <p:style>
+          <a:lnRef idx="2">
+            <a:schemeClr val="accent1">
+              <a:shade val="50000"/>
+            </a:schemeClr>
+          </a:lnRef>
+          <a:fillRef idx="1">
+            <a:schemeClr val="accent1"/>
+          </a:fillRef>
+          <a:effectRef idx="0">
+            <a:schemeClr val="accent1"/>
+          </a:effectRef>
+          <a:fontRef idx="minor">
+            <a:schemeClr val="lt1"/>
+          </a:fontRef>
+        </p:style>
+        <p:txBody>
+          <a:bodyPr rtlCol="0" anchor="ctr"/>
+          <a:lstStyle/>
+          <a:p>
+            <a:pPr algn="ctr"/>
+            <a:endParaRPr kumimoji="1" lang="ko-Kore-KR" altLang="en-US" b="1" dirty="0">
+              <a:solidFill>
+                <a:schemeClr val="accent5">
+                  <a:lumMod val="50000"/>
+                </a:schemeClr>
+              </a:solidFill>
+            </a:endParaRPr>
+          </a:p>
+        </p:txBody>
+      </p:sp>
+      <p:sp>
+        <p:nvSpPr>
+          <p:cNvPr id="41" name="직사각형 40">
+            <a:extLst>
+              <a:ext uri="{FF2B5EF4-FFF2-40B4-BE49-F238E27FC236}">
+                <a16:creationId xmlns:a16="http://schemas.microsoft.com/office/drawing/2014/main" id="{3E67CD76-5CA5-FD46-91FA-AB1B171E4280}"/>
+              </a:ext>
+            </a:extLst>
+          </p:cNvPr>
+          <p:cNvSpPr/>
+          <p:nvPr/>
+        </p:nvSpPr>
+        <p:spPr>
+          <a:xfrm>
+            <a:off x="6115244" y="4625500"/>
+            <a:ext cx="360000" cy="360000"/>
+          </a:xfrm>
+          <a:prstGeom prst="rect">
+            <a:avLst/>
+          </a:prstGeom>
+          <a:solidFill>
+            <a:schemeClr val="accent4">
+              <a:lumMod val="40000"/>
+              <a:lumOff val="60000"/>
+            </a:schemeClr>
+          </a:solidFill>
+          <a:ln w="38100">
+            <a:solidFill>
+              <a:schemeClr val="accent5">
+                <a:lumMod val="50000"/>
+              </a:schemeClr>
+            </a:solidFill>
+          </a:ln>
+        </p:spPr>
+        <p:style>
+          <a:lnRef idx="2">
+            <a:schemeClr val="accent1">
+              <a:shade val="50000"/>
+            </a:schemeClr>
+          </a:lnRef>
+          <a:fillRef idx="1">
+            <a:schemeClr val="accent1"/>
+          </a:fillRef>
+          <a:effectRef idx="0">
+            <a:schemeClr val="accent1"/>
+          </a:effectRef>
+          <a:fontRef idx="minor">
+            <a:schemeClr val="lt1"/>
+          </a:fontRef>
+        </p:style>
+        <p:txBody>
+          <a:bodyPr rtlCol="0" anchor="ctr"/>
+          <a:lstStyle/>
+          <a:p>
+            <a:pPr algn="ctr"/>
+            <a:endParaRPr kumimoji="1" lang="ko-Kore-KR" altLang="en-US" b="1" dirty="0">
+              <a:solidFill>
+                <a:schemeClr val="accent5">
+                  <a:lumMod val="50000"/>
+                </a:schemeClr>
+              </a:solidFill>
+            </a:endParaRPr>
+          </a:p>
+        </p:txBody>
+      </p:sp>
+      <p:sp>
+        <p:nvSpPr>
+          <p:cNvPr id="42" name="직사각형 41">
+            <a:extLst>
+              <a:ext uri="{FF2B5EF4-FFF2-40B4-BE49-F238E27FC236}">
+                <a16:creationId xmlns:a16="http://schemas.microsoft.com/office/drawing/2014/main" id="{1ADAC982-4B84-914E-9F2D-7994D81914B9}"/>
+              </a:ext>
+            </a:extLst>
+          </p:cNvPr>
+          <p:cNvSpPr/>
+          <p:nvPr/>
+        </p:nvSpPr>
+        <p:spPr>
+          <a:xfrm>
+            <a:off x="6475244" y="4625500"/>
+            <a:ext cx="360000" cy="360000"/>
+          </a:xfrm>
+          <a:prstGeom prst="rect">
+            <a:avLst/>
+          </a:prstGeom>
+          <a:solidFill>
+            <a:schemeClr val="accent4">
+              <a:lumMod val="40000"/>
+              <a:lumOff val="60000"/>
+            </a:schemeClr>
+          </a:solidFill>
+          <a:ln w="38100">
+            <a:solidFill>
+              <a:schemeClr val="accent5">
+                <a:lumMod val="50000"/>
+              </a:schemeClr>
+            </a:solidFill>
+          </a:ln>
+        </p:spPr>
+        <p:style>
+          <a:lnRef idx="2">
+            <a:schemeClr val="accent1">
+              <a:shade val="50000"/>
+            </a:schemeClr>
+          </a:lnRef>
+          <a:fillRef idx="1">
+            <a:schemeClr val="accent1"/>
+          </a:fillRef>
+          <a:effectRef idx="0">
+            <a:schemeClr val="accent1"/>
+          </a:effectRef>
+          <a:fontRef idx="minor">
+            <a:schemeClr val="lt1"/>
+          </a:fontRef>
+        </p:style>
+        <p:txBody>
+          <a:bodyPr rtlCol="0" anchor="ctr"/>
+          <a:lstStyle/>
+          <a:p>
+            <a:pPr algn="ctr"/>
+            <a:endParaRPr kumimoji="1" lang="ko-Kore-KR" altLang="en-US" b="1" dirty="0">
+              <a:solidFill>
+                <a:schemeClr val="accent5">
+                  <a:lumMod val="50000"/>
+                </a:schemeClr>
+              </a:solidFill>
+            </a:endParaRPr>
+          </a:p>
+        </p:txBody>
+      </p:sp>
+      <p:sp>
+        <p:nvSpPr>
+          <p:cNvPr id="43" name="직사각형 42">
+            <a:extLst>
+              <a:ext uri="{FF2B5EF4-FFF2-40B4-BE49-F238E27FC236}">
+                <a16:creationId xmlns:a16="http://schemas.microsoft.com/office/drawing/2014/main" id="{C7139B18-A7BB-EE47-B350-8694F7EC4EE7}"/>
+              </a:ext>
+            </a:extLst>
+          </p:cNvPr>
+          <p:cNvSpPr/>
+          <p:nvPr/>
+        </p:nvSpPr>
+        <p:spPr>
+          <a:xfrm>
+            <a:off x="6835244" y="4625500"/>
+            <a:ext cx="360000" cy="360000"/>
+          </a:xfrm>
+          <a:prstGeom prst="rect">
+            <a:avLst/>
+          </a:prstGeom>
+          <a:solidFill>
+            <a:schemeClr val="accent4">
+              <a:lumMod val="40000"/>
+              <a:lumOff val="60000"/>
+            </a:schemeClr>
+          </a:solidFill>
+          <a:ln w="38100">
+            <a:solidFill>
+              <a:schemeClr val="accent5">
+                <a:lumMod val="50000"/>
+              </a:schemeClr>
+            </a:solidFill>
+          </a:ln>
+        </p:spPr>
+        <p:style>
+          <a:lnRef idx="2">
+            <a:schemeClr val="accent1">
+              <a:shade val="50000"/>
+            </a:schemeClr>
+          </a:lnRef>
+          <a:fillRef idx="1">
+            <a:schemeClr val="accent1"/>
+          </a:fillRef>
+          <a:effectRef idx="0">
+            <a:schemeClr val="accent1"/>
+          </a:effectRef>
+          <a:fontRef idx="minor">
+            <a:schemeClr val="lt1"/>
+          </a:fontRef>
+        </p:style>
+        <p:txBody>
+          <a:bodyPr rtlCol="0" anchor="ctr"/>
+          <a:lstStyle/>
+          <a:p>
+            <a:pPr algn="ctr"/>
+            <a:endParaRPr kumimoji="1" lang="ko-Kore-KR" altLang="en-US" b="1" dirty="0">
+              <a:solidFill>
+                <a:schemeClr val="accent5">
+                  <a:lumMod val="50000"/>
+                </a:schemeClr>
+              </a:solidFill>
+            </a:endParaRPr>
+          </a:p>
+        </p:txBody>
+      </p:sp>
+      <p:sp>
+        <p:nvSpPr>
+          <p:cNvPr id="44" name="직사각형 43">
+            <a:extLst>
+              <a:ext uri="{FF2B5EF4-FFF2-40B4-BE49-F238E27FC236}">
+                <a16:creationId xmlns:a16="http://schemas.microsoft.com/office/drawing/2014/main" id="{EBD2B40D-F5C9-0C49-90BD-B64D861B9EBD}"/>
+              </a:ext>
+            </a:extLst>
+          </p:cNvPr>
+          <p:cNvSpPr/>
+          <p:nvPr/>
+        </p:nvSpPr>
+        <p:spPr>
+          <a:xfrm>
+            <a:off x="7195244" y="4625500"/>
+            <a:ext cx="360000" cy="360000"/>
+          </a:xfrm>
+          <a:prstGeom prst="rect">
+            <a:avLst/>
+          </a:prstGeom>
+          <a:solidFill>
+            <a:schemeClr val="accent4">
+              <a:lumMod val="40000"/>
+              <a:lumOff val="60000"/>
+            </a:schemeClr>
+          </a:solidFill>
+          <a:ln w="38100">
+            <a:solidFill>
+              <a:schemeClr val="accent5">
+                <a:lumMod val="50000"/>
+              </a:schemeClr>
+            </a:solidFill>
+          </a:ln>
+        </p:spPr>
+        <p:style>
+          <a:lnRef idx="2">
+            <a:schemeClr val="accent1">
+              <a:shade val="50000"/>
+            </a:schemeClr>
+          </a:lnRef>
+          <a:fillRef idx="1">
+            <a:schemeClr val="accent1"/>
+          </a:fillRef>
+          <a:effectRef idx="0">
+            <a:schemeClr val="accent1"/>
+          </a:effectRef>
+          <a:fontRef idx="minor">
+            <a:schemeClr val="lt1"/>
+          </a:fontRef>
+        </p:style>
+        <p:txBody>
+          <a:bodyPr rtlCol="0" anchor="ctr"/>
+          <a:lstStyle/>
+          <a:p>
+            <a:pPr algn="ctr"/>
+            <a:endParaRPr kumimoji="1" lang="ko-Kore-KR" altLang="en-US" b="1" dirty="0">
+              <a:solidFill>
+                <a:schemeClr val="accent5">
+                  <a:lumMod val="50000"/>
+                </a:schemeClr>
+              </a:solidFill>
+            </a:endParaRPr>
+          </a:p>
+        </p:txBody>
+      </p:sp>
+      <p:sp>
+        <p:nvSpPr>
+          <p:cNvPr id="45" name="직사각형 44">
+            <a:extLst>
+              <a:ext uri="{FF2B5EF4-FFF2-40B4-BE49-F238E27FC236}">
+                <a16:creationId xmlns:a16="http://schemas.microsoft.com/office/drawing/2014/main" id="{A35CA6C6-A3FF-6543-AC32-9BDB9CEFBAFC}"/>
+              </a:ext>
+            </a:extLst>
+          </p:cNvPr>
+          <p:cNvSpPr/>
+          <p:nvPr/>
+        </p:nvSpPr>
+        <p:spPr>
+          <a:xfrm>
+            <a:off x="7555244" y="4625500"/>
+            <a:ext cx="360000" cy="360000"/>
+          </a:xfrm>
+          <a:prstGeom prst="rect">
+            <a:avLst/>
+          </a:prstGeom>
+          <a:solidFill>
+            <a:schemeClr val="accent4">
+              <a:lumMod val="40000"/>
+              <a:lumOff val="60000"/>
+            </a:schemeClr>
+          </a:solidFill>
+          <a:ln w="38100">
+            <a:solidFill>
+              <a:schemeClr val="accent5">
+                <a:lumMod val="50000"/>
+              </a:schemeClr>
+            </a:solidFill>
+          </a:ln>
+        </p:spPr>
+        <p:style>
+          <a:lnRef idx="2">
+            <a:schemeClr val="accent1">
+              <a:shade val="50000"/>
+            </a:schemeClr>
+          </a:lnRef>
+          <a:fillRef idx="1">
+            <a:schemeClr val="accent1"/>
+          </a:fillRef>
+          <a:effectRef idx="0">
+            <a:schemeClr val="accent1"/>
+          </a:effectRef>
+          <a:fontRef idx="minor">
+            <a:schemeClr val="lt1"/>
+          </a:fontRef>
+        </p:style>
+        <p:txBody>
+          <a:bodyPr rtlCol="0" anchor="ctr"/>
+          <a:lstStyle/>
+          <a:p>
+            <a:pPr algn="ctr"/>
+            <a:endParaRPr kumimoji="1" lang="ko-Kore-KR" altLang="en-US" b="1" dirty="0">
+              <a:solidFill>
+                <a:schemeClr val="accent5">
+                  <a:lumMod val="50000"/>
+                </a:schemeClr>
+              </a:solidFill>
+            </a:endParaRPr>
+          </a:p>
+        </p:txBody>
+      </p:sp>
+      <p:sp>
+        <p:nvSpPr>
+          <p:cNvPr id="46" name="직사각형 45">
+            <a:extLst>
+              <a:ext uri="{FF2B5EF4-FFF2-40B4-BE49-F238E27FC236}">
+                <a16:creationId xmlns:a16="http://schemas.microsoft.com/office/drawing/2014/main" id="{C9DB5CD1-ADAD-F145-8BDB-9996BDE79FE8}"/>
+              </a:ext>
+            </a:extLst>
+          </p:cNvPr>
+          <p:cNvSpPr/>
+          <p:nvPr/>
+        </p:nvSpPr>
+        <p:spPr>
+          <a:xfrm>
+            <a:off x="7915244" y="4625500"/>
+            <a:ext cx="360000" cy="360000"/>
+          </a:xfrm>
+          <a:prstGeom prst="rect">
+            <a:avLst/>
+          </a:prstGeom>
+          <a:solidFill>
+            <a:schemeClr val="accent4">
+              <a:lumMod val="40000"/>
+              <a:lumOff val="60000"/>
+            </a:schemeClr>
+          </a:solidFill>
+          <a:ln w="38100">
+            <a:solidFill>
+              <a:schemeClr val="accent5">
+                <a:lumMod val="50000"/>
+              </a:schemeClr>
+            </a:solidFill>
+          </a:ln>
+        </p:spPr>
+        <p:style>
+          <a:lnRef idx="2">
+            <a:schemeClr val="accent1">
+              <a:shade val="50000"/>
+            </a:schemeClr>
+          </a:lnRef>
+          <a:fillRef idx="1">
+            <a:schemeClr val="accent1"/>
+          </a:fillRef>
+          <a:effectRef idx="0">
+            <a:schemeClr val="accent1"/>
+          </a:effectRef>
+          <a:fontRef idx="minor">
+            <a:schemeClr val="lt1"/>
+          </a:fontRef>
+        </p:style>
+        <p:txBody>
+          <a:bodyPr rtlCol="0" anchor="ctr"/>
+          <a:lstStyle/>
+          <a:p>
+            <a:pPr algn="ctr"/>
+            <a:endParaRPr kumimoji="1" lang="ko-Kore-KR" altLang="en-US" b="1" dirty="0">
+              <a:solidFill>
+                <a:schemeClr val="accent5">
+                  <a:lumMod val="50000"/>
+                </a:schemeClr>
+              </a:solidFill>
+            </a:endParaRPr>
+          </a:p>
+        </p:txBody>
+      </p:sp>
+      <p:sp>
+        <p:nvSpPr>
+          <p:cNvPr id="47" name="직사각형 46">
+            <a:extLst>
+              <a:ext uri="{FF2B5EF4-FFF2-40B4-BE49-F238E27FC236}">
+                <a16:creationId xmlns:a16="http://schemas.microsoft.com/office/drawing/2014/main" id="{239E6EFE-503D-FE46-89CE-B32163860347}"/>
+              </a:ext>
+            </a:extLst>
+          </p:cNvPr>
+          <p:cNvSpPr/>
+          <p:nvPr/>
+        </p:nvSpPr>
+        <p:spPr>
+          <a:xfrm>
+            <a:off x="8275244" y="4625500"/>
+            <a:ext cx="360000" cy="360000"/>
+          </a:xfrm>
+          <a:prstGeom prst="rect">
+            <a:avLst/>
+          </a:prstGeom>
+          <a:solidFill>
+            <a:schemeClr val="accent4">
+              <a:lumMod val="40000"/>
+              <a:lumOff val="60000"/>
+            </a:schemeClr>
+          </a:solidFill>
+          <a:ln w="38100">
+            <a:solidFill>
+              <a:schemeClr val="accent5">
+                <a:lumMod val="50000"/>
+              </a:schemeClr>
+            </a:solidFill>
+          </a:ln>
+        </p:spPr>
+        <p:style>
+          <a:lnRef idx="2">
+            <a:schemeClr val="accent1">
+              <a:shade val="50000"/>
+            </a:schemeClr>
+          </a:lnRef>
+          <a:fillRef idx="1">
+            <a:schemeClr val="accent1"/>
+          </a:fillRef>
+          <a:effectRef idx="0">
+            <a:schemeClr val="accent1"/>
+          </a:effectRef>
+          <a:fontRef idx="minor">
+            <a:schemeClr val="lt1"/>
+          </a:fontRef>
+        </p:style>
+        <p:txBody>
+          <a:bodyPr rtlCol="0" anchor="ctr"/>
+          <a:lstStyle/>
+          <a:p>
+            <a:pPr algn="ctr"/>
+            <a:endParaRPr kumimoji="1" lang="ko-Kore-KR" altLang="en-US" b="1" dirty="0">
+              <a:solidFill>
+                <a:schemeClr val="accent5">
+                  <a:lumMod val="50000"/>
+                </a:schemeClr>
+              </a:solidFill>
+            </a:endParaRPr>
+          </a:p>
+        </p:txBody>
+      </p:sp>
+      <p:sp>
+        <p:nvSpPr>
+          <p:cNvPr id="48" name="직사각형 47">
+            <a:extLst>
+              <a:ext uri="{FF2B5EF4-FFF2-40B4-BE49-F238E27FC236}">
+                <a16:creationId xmlns:a16="http://schemas.microsoft.com/office/drawing/2014/main" id="{302B3FD3-7574-0349-9AD6-2F1DBF48EB39}"/>
+              </a:ext>
+            </a:extLst>
+          </p:cNvPr>
+          <p:cNvSpPr/>
+          <p:nvPr/>
+        </p:nvSpPr>
+        <p:spPr>
+          <a:xfrm>
+            <a:off x="8635244" y="4625501"/>
+            <a:ext cx="360000" cy="360000"/>
+          </a:xfrm>
+          <a:prstGeom prst="rect">
+            <a:avLst/>
+          </a:prstGeom>
+          <a:solidFill>
+            <a:schemeClr val="accent5">
+              <a:lumMod val="40000"/>
+              <a:lumOff val="60000"/>
+            </a:schemeClr>
+          </a:solidFill>
+          <a:ln w="38100">
+            <a:solidFill>
+              <a:schemeClr val="accent5">
+                <a:lumMod val="50000"/>
+              </a:schemeClr>
+            </a:solidFill>
+          </a:ln>
+        </p:spPr>
+        <p:style>
+          <a:lnRef idx="2">
+            <a:schemeClr val="accent1">
+              <a:shade val="50000"/>
+            </a:schemeClr>
+          </a:lnRef>
+          <a:fillRef idx="1">
+            <a:schemeClr val="accent1"/>
+          </a:fillRef>
+          <a:effectRef idx="0">
+            <a:schemeClr val="accent1"/>
+          </a:effectRef>
+          <a:fontRef idx="minor">
+            <a:schemeClr val="lt1"/>
+          </a:fontRef>
+        </p:style>
+        <p:txBody>
+          <a:bodyPr rtlCol="0" anchor="ctr"/>
+          <a:lstStyle/>
+          <a:p>
+            <a:pPr algn="ctr"/>
+            <a:endParaRPr kumimoji="1" lang="ko-Kore-KR" altLang="en-US" b="1" dirty="0">
+              <a:solidFill>
+                <a:schemeClr val="accent5">
+                  <a:lumMod val="50000"/>
+                </a:schemeClr>
+              </a:solidFill>
+            </a:endParaRPr>
+          </a:p>
+        </p:txBody>
+      </p:sp>
+      <p:sp>
+        <p:nvSpPr>
+          <p:cNvPr id="49" name="직사각형 48">
+            <a:extLst>
+              <a:ext uri="{FF2B5EF4-FFF2-40B4-BE49-F238E27FC236}">
+                <a16:creationId xmlns:a16="http://schemas.microsoft.com/office/drawing/2014/main" id="{441AFFD7-6DC7-EE4C-A320-90479D8F4986}"/>
+              </a:ext>
+            </a:extLst>
+          </p:cNvPr>
+          <p:cNvSpPr/>
+          <p:nvPr/>
+        </p:nvSpPr>
+        <p:spPr>
+          <a:xfrm>
+            <a:off x="8995244" y="4625501"/>
+            <a:ext cx="360000" cy="360000"/>
+          </a:xfrm>
+          <a:prstGeom prst="rect">
+            <a:avLst/>
+          </a:prstGeom>
+          <a:solidFill>
+            <a:schemeClr val="bg1">
+              <a:lumMod val="95000"/>
+            </a:schemeClr>
+          </a:solidFill>
+          <a:ln w="38100">
+            <a:solidFill>
+              <a:schemeClr val="accent5">
+                <a:lumMod val="50000"/>
+              </a:schemeClr>
+            </a:solidFill>
+          </a:ln>
+        </p:spPr>
+        <p:style>
+          <a:lnRef idx="2">
+            <a:schemeClr val="accent1">
+              <a:shade val="50000"/>
+            </a:schemeClr>
+          </a:lnRef>
+          <a:fillRef idx="1">
+            <a:schemeClr val="accent1"/>
+          </a:fillRef>
+          <a:effectRef idx="0">
+            <a:schemeClr val="accent1"/>
+          </a:effectRef>
+          <a:fontRef idx="minor">
+            <a:schemeClr val="lt1"/>
+          </a:fontRef>
+        </p:style>
+        <p:txBody>
+          <a:bodyPr rtlCol="0" anchor="ctr"/>
+          <a:lstStyle/>
+          <a:p>
+            <a:pPr algn="ctr"/>
+            <a:endParaRPr kumimoji="1" lang="ko-Kore-KR" altLang="en-US" b="1" dirty="0">
+              <a:solidFill>
+                <a:schemeClr val="accent5">
+                  <a:lumMod val="50000"/>
+                </a:schemeClr>
+              </a:solidFill>
+            </a:endParaRPr>
+          </a:p>
+        </p:txBody>
+      </p:sp>
+      <p:sp>
+        <p:nvSpPr>
+          <p:cNvPr id="50" name="직사각형 49">
+            <a:extLst>
+              <a:ext uri="{FF2B5EF4-FFF2-40B4-BE49-F238E27FC236}">
+                <a16:creationId xmlns:a16="http://schemas.microsoft.com/office/drawing/2014/main" id="{7C7E8B66-F552-054B-984D-EE9FFCCB03CC}"/>
+              </a:ext>
+            </a:extLst>
+          </p:cNvPr>
+          <p:cNvSpPr/>
+          <p:nvPr/>
+        </p:nvSpPr>
+        <p:spPr>
+          <a:xfrm>
+            <a:off x="9355244" y="4625501"/>
+            <a:ext cx="360000" cy="360000"/>
+          </a:xfrm>
+          <a:prstGeom prst="rect">
+            <a:avLst/>
+          </a:prstGeom>
+          <a:solidFill>
+            <a:schemeClr val="bg1">
+              <a:lumMod val="95000"/>
+            </a:schemeClr>
+          </a:solidFill>
+          <a:ln w="38100">
+            <a:solidFill>
+              <a:schemeClr val="accent5">
+                <a:lumMod val="50000"/>
+              </a:schemeClr>
+            </a:solidFill>
+          </a:ln>
+        </p:spPr>
+        <p:style>
+          <a:lnRef idx="2">
+            <a:schemeClr val="accent1">
+              <a:shade val="50000"/>
+            </a:schemeClr>
+          </a:lnRef>
+          <a:fillRef idx="1">
+            <a:schemeClr val="accent1"/>
+          </a:fillRef>
+          <a:effectRef idx="0">
+            <a:schemeClr val="accent1"/>
+          </a:effectRef>
+          <a:fontRef idx="minor">
+            <a:schemeClr val="lt1"/>
+          </a:fontRef>
+        </p:style>
+        <p:txBody>
+          <a:bodyPr rtlCol="0" anchor="ctr"/>
+          <a:lstStyle/>
+          <a:p>
+            <a:pPr algn="ctr"/>
+            <a:endParaRPr kumimoji="1" lang="ko-Kore-KR" altLang="en-US" b="1" dirty="0">
+              <a:solidFill>
+                <a:schemeClr val="accent5">
+                  <a:lumMod val="50000"/>
+                </a:schemeClr>
+              </a:solidFill>
+            </a:endParaRPr>
+          </a:p>
+        </p:txBody>
+      </p:sp>
+      <p:sp>
+        <p:nvSpPr>
+          <p:cNvPr id="51" name="직사각형 50">
+            <a:extLst>
+              <a:ext uri="{FF2B5EF4-FFF2-40B4-BE49-F238E27FC236}">
+                <a16:creationId xmlns:a16="http://schemas.microsoft.com/office/drawing/2014/main" id="{217FD067-F36A-1547-BE78-268CC8033CDA}"/>
+              </a:ext>
+            </a:extLst>
+          </p:cNvPr>
+          <p:cNvSpPr/>
+          <p:nvPr/>
+        </p:nvSpPr>
+        <p:spPr>
+          <a:xfrm>
+            <a:off x="9715244" y="4625501"/>
+            <a:ext cx="360000" cy="360000"/>
+          </a:xfrm>
+          <a:prstGeom prst="rect">
+            <a:avLst/>
+          </a:prstGeom>
+          <a:solidFill>
+            <a:schemeClr val="bg1">
+              <a:lumMod val="95000"/>
+            </a:schemeClr>
+          </a:solidFill>
+          <a:ln w="38100">
+            <a:solidFill>
+              <a:schemeClr val="accent5">
+                <a:lumMod val="50000"/>
+              </a:schemeClr>
+            </a:solidFill>
+          </a:ln>
+        </p:spPr>
+        <p:style>
+          <a:lnRef idx="2">
+            <a:schemeClr val="accent1">
+              <a:shade val="50000"/>
+            </a:schemeClr>
+          </a:lnRef>
+          <a:fillRef idx="1">
+            <a:schemeClr val="accent1"/>
+          </a:fillRef>
+          <a:effectRef idx="0">
+            <a:schemeClr val="accent1"/>
+          </a:effectRef>
+          <a:fontRef idx="minor">
+            <a:schemeClr val="lt1"/>
+          </a:fontRef>
+        </p:style>
+        <p:txBody>
+          <a:bodyPr rtlCol="0" anchor="ctr"/>
+          <a:lstStyle/>
+          <a:p>
+            <a:pPr algn="ctr"/>
+            <a:endParaRPr kumimoji="1" lang="ko-Kore-KR" altLang="en-US" b="1" dirty="0">
+              <a:solidFill>
+                <a:schemeClr val="accent5">
+                  <a:lumMod val="50000"/>
+                </a:schemeClr>
+              </a:solidFill>
+            </a:endParaRPr>
+          </a:p>
+        </p:txBody>
+      </p:sp>
+      <p:sp>
+        <p:nvSpPr>
+          <p:cNvPr id="52" name="직사각형 51">
+            <a:extLst>
+              <a:ext uri="{FF2B5EF4-FFF2-40B4-BE49-F238E27FC236}">
+                <a16:creationId xmlns:a16="http://schemas.microsoft.com/office/drawing/2014/main" id="{4D0A958E-F715-174E-942F-4CBC29158FF3}"/>
+              </a:ext>
+            </a:extLst>
+          </p:cNvPr>
+          <p:cNvSpPr/>
+          <p:nvPr/>
+        </p:nvSpPr>
+        <p:spPr>
+          <a:xfrm>
+            <a:off x="10075244" y="4625501"/>
+            <a:ext cx="360000" cy="360000"/>
+          </a:xfrm>
+          <a:prstGeom prst="rect">
+            <a:avLst/>
+          </a:prstGeom>
+          <a:solidFill>
+            <a:schemeClr val="bg1">
+              <a:lumMod val="95000"/>
+            </a:schemeClr>
+          </a:solidFill>
+          <a:ln w="38100">
+            <a:solidFill>
+              <a:schemeClr val="accent5">
+                <a:lumMod val="50000"/>
+              </a:schemeClr>
+            </a:solidFill>
+          </a:ln>
+        </p:spPr>
+        <p:style>
+          <a:lnRef idx="2">
+            <a:schemeClr val="accent1">
+              <a:shade val="50000"/>
+            </a:schemeClr>
+          </a:lnRef>
+          <a:fillRef idx="1">
+            <a:schemeClr val="accent1"/>
+          </a:fillRef>
+          <a:effectRef idx="0">
+            <a:schemeClr val="accent1"/>
+          </a:effectRef>
+          <a:fontRef idx="minor">
+            <a:schemeClr val="lt1"/>
+          </a:fontRef>
+        </p:style>
+        <p:txBody>
+          <a:bodyPr rtlCol="0" anchor="ctr"/>
+          <a:lstStyle/>
+          <a:p>
+            <a:pPr algn="ctr"/>
+            <a:endParaRPr kumimoji="1" lang="ko-Kore-KR" altLang="en-US" b="1" dirty="0">
+              <a:solidFill>
+                <a:schemeClr val="accent5">
+                  <a:lumMod val="50000"/>
+                </a:schemeClr>
+              </a:solidFill>
+            </a:endParaRPr>
+          </a:p>
+        </p:txBody>
+      </p:sp>
+      <p:sp>
+        <p:nvSpPr>
+          <p:cNvPr id="53" name="직사각형 52">
+            <a:extLst>
+              <a:ext uri="{FF2B5EF4-FFF2-40B4-BE49-F238E27FC236}">
+                <a16:creationId xmlns:a16="http://schemas.microsoft.com/office/drawing/2014/main" id="{C16052C1-0147-D94F-ABCF-DC15458455FF}"/>
+              </a:ext>
+            </a:extLst>
+          </p:cNvPr>
+          <p:cNvSpPr/>
+          <p:nvPr/>
+        </p:nvSpPr>
+        <p:spPr>
+          <a:xfrm>
+            <a:off x="10435244" y="4625501"/>
+            <a:ext cx="360000" cy="360000"/>
+          </a:xfrm>
+          <a:prstGeom prst="rect">
+            <a:avLst/>
+          </a:prstGeom>
+          <a:solidFill>
+            <a:schemeClr val="bg1">
+              <a:lumMod val="95000"/>
+            </a:schemeClr>
+          </a:solidFill>
+          <a:ln w="38100">
+            <a:solidFill>
+              <a:schemeClr val="accent5">
+                <a:lumMod val="50000"/>
+              </a:schemeClr>
+            </a:solidFill>
+          </a:ln>
+        </p:spPr>
+        <p:style>
+          <a:lnRef idx="2">
+            <a:schemeClr val="accent1">
+              <a:shade val="50000"/>
+            </a:schemeClr>
+          </a:lnRef>
+          <a:fillRef idx="1">
+            <a:schemeClr val="accent1"/>
+          </a:fillRef>
+          <a:effectRef idx="0">
+            <a:schemeClr val="accent1"/>
+          </a:effectRef>
+          <a:fontRef idx="minor">
+            <a:schemeClr val="lt1"/>
+          </a:fontRef>
+        </p:style>
+        <p:txBody>
+          <a:bodyPr rtlCol="0" anchor="ctr"/>
+          <a:lstStyle/>
+          <a:p>
+            <a:pPr algn="ctr"/>
+            <a:endParaRPr kumimoji="1" lang="ko-Kore-KR" altLang="en-US" b="1" dirty="0">
+              <a:solidFill>
+                <a:schemeClr val="accent5">
+                  <a:lumMod val="50000"/>
+                </a:schemeClr>
+              </a:solidFill>
+            </a:endParaRPr>
+          </a:p>
+        </p:txBody>
+      </p:sp>
+      <p:sp>
+        <p:nvSpPr>
+          <p:cNvPr id="54" name="직사각형 53">
+            <a:extLst>
+              <a:ext uri="{FF2B5EF4-FFF2-40B4-BE49-F238E27FC236}">
+                <a16:creationId xmlns:a16="http://schemas.microsoft.com/office/drawing/2014/main" id="{DCC6A44F-1AB4-9044-B4B7-162F26F8C0FB}"/>
+              </a:ext>
+            </a:extLst>
+          </p:cNvPr>
+          <p:cNvSpPr/>
+          <p:nvPr/>
+        </p:nvSpPr>
+        <p:spPr>
+          <a:xfrm>
+            <a:off x="10795244" y="4625501"/>
+            <a:ext cx="360000" cy="360000"/>
+          </a:xfrm>
+          <a:prstGeom prst="rect">
+            <a:avLst/>
+          </a:prstGeom>
+          <a:solidFill>
+            <a:schemeClr val="bg1">
+              <a:lumMod val="95000"/>
+            </a:schemeClr>
+          </a:solidFill>
+          <a:ln w="38100">
+            <a:solidFill>
+              <a:schemeClr val="accent5">
+                <a:lumMod val="50000"/>
+              </a:schemeClr>
+            </a:solidFill>
+          </a:ln>
+        </p:spPr>
+        <p:style>
+          <a:lnRef idx="2">
+            <a:schemeClr val="accent1">
+              <a:shade val="50000"/>
+            </a:schemeClr>
+          </a:lnRef>
+          <a:fillRef idx="1">
+            <a:schemeClr val="accent1"/>
+          </a:fillRef>
+          <a:effectRef idx="0">
+            <a:schemeClr val="accent1"/>
+          </a:effectRef>
+          <a:fontRef idx="minor">
+            <a:schemeClr val="lt1"/>
+          </a:fontRef>
+        </p:style>
+        <p:txBody>
+          <a:bodyPr rtlCol="0" anchor="ctr"/>
+          <a:lstStyle/>
+          <a:p>
+            <a:pPr algn="ctr"/>
+            <a:endParaRPr kumimoji="1" lang="ko-Kore-KR" altLang="en-US" b="1" dirty="0">
+              <a:solidFill>
+                <a:schemeClr val="accent5">
+                  <a:lumMod val="50000"/>
+                </a:schemeClr>
+              </a:solidFill>
+            </a:endParaRPr>
+          </a:p>
+        </p:txBody>
+      </p:sp>
+      <p:sp>
+        <p:nvSpPr>
+          <p:cNvPr id="55" name="직사각형 54">
+            <a:extLst>
+              <a:ext uri="{FF2B5EF4-FFF2-40B4-BE49-F238E27FC236}">
+                <a16:creationId xmlns:a16="http://schemas.microsoft.com/office/drawing/2014/main" id="{ACD42ED2-2E32-0742-B6B7-9D0D1E0BE1AE}"/>
+              </a:ext>
+            </a:extLst>
+          </p:cNvPr>
+          <p:cNvSpPr/>
+          <p:nvPr/>
+        </p:nvSpPr>
+        <p:spPr>
+          <a:xfrm>
+            <a:off x="11155244" y="4625501"/>
+            <a:ext cx="360000" cy="360000"/>
+          </a:xfrm>
+          <a:prstGeom prst="rect">
+            <a:avLst/>
+          </a:prstGeom>
+          <a:solidFill>
+            <a:schemeClr val="bg1">
+              <a:lumMod val="95000"/>
+            </a:schemeClr>
+          </a:solidFill>
+          <a:ln w="38100">
+            <a:solidFill>
+              <a:schemeClr val="accent5">
+                <a:lumMod val="50000"/>
+              </a:schemeClr>
+            </a:solidFill>
+          </a:ln>
+        </p:spPr>
+        <p:style>
+          <a:lnRef idx="2">
+            <a:schemeClr val="accent1">
+              <a:shade val="50000"/>
+            </a:schemeClr>
+          </a:lnRef>
+          <a:fillRef idx="1">
+            <a:schemeClr val="accent1"/>
+          </a:fillRef>
+          <a:effectRef idx="0">
+            <a:schemeClr val="accent1"/>
+          </a:effectRef>
+          <a:fontRef idx="minor">
+            <a:schemeClr val="lt1"/>
+          </a:fontRef>
+        </p:style>
+        <p:txBody>
+          <a:bodyPr rtlCol="0" anchor="ctr"/>
+          <a:lstStyle/>
+          <a:p>
+            <a:pPr algn="ctr"/>
+            <a:endParaRPr kumimoji="1" lang="ko-Kore-KR" altLang="en-US" b="1" dirty="0">
+              <a:solidFill>
+                <a:schemeClr val="accent5">
+                  <a:lumMod val="50000"/>
+                </a:schemeClr>
+              </a:solidFill>
+            </a:endParaRPr>
+          </a:p>
+        </p:txBody>
+      </p:sp>
+      <p:sp>
+        <p:nvSpPr>
+          <p:cNvPr id="56" name="TextBox 55">
+            <a:extLst>
+              <a:ext uri="{FF2B5EF4-FFF2-40B4-BE49-F238E27FC236}">
+                <a16:creationId xmlns:a16="http://schemas.microsoft.com/office/drawing/2014/main" id="{3103576C-5266-1F43-BC46-84E028D3E3E6}"/>
+              </a:ext>
+            </a:extLst>
+          </p:cNvPr>
+          <p:cNvSpPr txBox="1"/>
+          <p:nvPr/>
+        </p:nvSpPr>
+        <p:spPr>
+          <a:xfrm>
+            <a:off x="7566682" y="5398115"/>
+            <a:ext cx="2137124" cy="369332"/>
+          </a:xfrm>
+          <a:prstGeom prst="rect">
+            <a:avLst/>
+          </a:prstGeom>
+          <a:noFill/>
+        </p:spPr>
+        <p:txBody>
+          <a:bodyPr wrap="none" rtlCol="0">
+            <a:spAutoFit/>
+          </a:bodyPr>
+          <a:lstStyle/>
+          <a:p>
+            <a:pPr algn="ctr"/>
+            <a:r>
+              <a:rPr kumimoji="1" lang="ko-Kore-KR" altLang="en-US" dirty="0">
+                <a:solidFill>
+                  <a:schemeClr val="accent5">
+                    <a:lumMod val="50000"/>
+                  </a:schemeClr>
+                </a:solidFill>
+              </a:rPr>
+              <a:t>배열을</a:t>
+            </a:r>
+            <a:r>
+              <a:rPr kumimoji="1" lang="ko-KR" altLang="en-US" dirty="0">
+                <a:solidFill>
+                  <a:schemeClr val="accent5">
+                    <a:lumMod val="50000"/>
+                  </a:schemeClr>
+                </a:solidFill>
+              </a:rPr>
+              <a:t> 기초한 스택</a:t>
+            </a:r>
+            <a:endParaRPr kumimoji="1" lang="ko-Kore-KR" altLang="en-US" dirty="0">
+              <a:solidFill>
+                <a:schemeClr val="accent5">
+                  <a:lumMod val="50000"/>
+                </a:schemeClr>
+              </a:solidFill>
+            </a:endParaRPr>
+          </a:p>
+        </p:txBody>
+      </p:sp>
+      <p:sp>
+        <p:nvSpPr>
+          <p:cNvPr id="57" name="TextBox 56">
+            <a:extLst>
+              <a:ext uri="{FF2B5EF4-FFF2-40B4-BE49-F238E27FC236}">
+                <a16:creationId xmlns:a16="http://schemas.microsoft.com/office/drawing/2014/main" id="{6A9A951E-4C5A-9040-A128-9F390D9FC505}"/>
+              </a:ext>
+            </a:extLst>
+          </p:cNvPr>
+          <p:cNvSpPr txBox="1"/>
+          <p:nvPr/>
+        </p:nvSpPr>
+        <p:spPr>
+          <a:xfrm>
+            <a:off x="5428409" y="4616168"/>
+            <a:ext cx="293670" cy="369332"/>
+          </a:xfrm>
+          <a:prstGeom prst="rect">
+            <a:avLst/>
+          </a:prstGeom>
+          <a:noFill/>
+        </p:spPr>
+        <p:txBody>
+          <a:bodyPr wrap="none" rtlCol="0">
+            <a:spAutoFit/>
+          </a:bodyPr>
+          <a:lstStyle/>
+          <a:p>
+            <a:r>
+              <a:rPr kumimoji="1" lang="en-US" altLang="ko-Kore-KR" b="1" dirty="0"/>
+              <a:t>S</a:t>
+            </a:r>
+            <a:endParaRPr kumimoji="1" lang="ko-Kore-KR" altLang="en-US" b="1" dirty="0"/>
+          </a:p>
+        </p:txBody>
+      </p:sp>
+      <p:sp>
+        <p:nvSpPr>
+          <p:cNvPr id="58" name="TextBox 57">
+            <a:extLst>
+              <a:ext uri="{FF2B5EF4-FFF2-40B4-BE49-F238E27FC236}">
+                <a16:creationId xmlns:a16="http://schemas.microsoft.com/office/drawing/2014/main" id="{146B9FA7-4EB8-8344-80A3-EBFD5EF38C94}"/>
+              </a:ext>
+            </a:extLst>
+          </p:cNvPr>
+          <p:cNvSpPr txBox="1"/>
+          <p:nvPr/>
+        </p:nvSpPr>
+        <p:spPr>
+          <a:xfrm>
+            <a:off x="5791884" y="5028783"/>
+            <a:ext cx="1064715" cy="369332"/>
+          </a:xfrm>
+          <a:prstGeom prst="rect">
+            <a:avLst/>
+          </a:prstGeom>
+          <a:noFill/>
+        </p:spPr>
+        <p:txBody>
+          <a:bodyPr wrap="none" rtlCol="0">
+            <a:spAutoFit/>
+          </a:bodyPr>
+          <a:lstStyle/>
+          <a:p>
+            <a:r>
+              <a:rPr kumimoji="1" lang="en-US" altLang="ko-Kore-KR" dirty="0"/>
+              <a:t>0     1     2</a:t>
+            </a:r>
+            <a:endParaRPr kumimoji="1" lang="ko-Kore-KR" altLang="en-US" dirty="0"/>
+          </a:p>
+        </p:txBody>
+      </p:sp>
+      <p:sp>
+        <p:nvSpPr>
+          <p:cNvPr id="59" name="TextBox 58">
+            <a:extLst>
+              <a:ext uri="{FF2B5EF4-FFF2-40B4-BE49-F238E27FC236}">
+                <a16:creationId xmlns:a16="http://schemas.microsoft.com/office/drawing/2014/main" id="{5E790423-AC5A-A24C-AC0E-8FEE678F99B0}"/>
+              </a:ext>
+            </a:extLst>
+          </p:cNvPr>
+          <p:cNvSpPr txBox="1"/>
+          <p:nvPr/>
+        </p:nvSpPr>
+        <p:spPr>
+          <a:xfrm>
+            <a:off x="8700772" y="5027500"/>
+            <a:ext cx="264816" cy="369332"/>
+          </a:xfrm>
+          <a:prstGeom prst="rect">
+            <a:avLst/>
+          </a:prstGeom>
+          <a:noFill/>
+        </p:spPr>
+        <p:txBody>
+          <a:bodyPr wrap="none" rtlCol="0">
+            <a:spAutoFit/>
+          </a:bodyPr>
+          <a:lstStyle/>
+          <a:p>
+            <a:r>
+              <a:rPr kumimoji="1" lang="en-US" altLang="ko-Kore-KR" b="1" dirty="0"/>
+              <a:t>t</a:t>
+            </a:r>
+            <a:endParaRPr kumimoji="1" lang="ko-Kore-KR" altLang="en-US" b="1" dirty="0"/>
           </a:p>
         </p:txBody>
       </p:sp>
